--- a/documentation/Control Parking.pptx.pptx
+++ b/documentation/Control Parking.pptx.pptx
@@ -22,6 +22,7 @@
     <p:sldId id="267" r:id="rId17"/>
     <p:sldId id="268" r:id="rId18"/>
     <p:sldId id="269" r:id="rId19"/>
+    <p:sldId id="270" r:id="rId20"/>
   </p:sldIdLst>
   <p:sldSz cy="6858000" cx="12192000"/>
   <p:notesSz cx="6858000" cy="9144000"/>
@@ -1123,7 +1124,7 @@
   <p:cSld>
     <p:spTree>
       <p:nvGrpSpPr>
-        <p:cNvPr id="176" name="Shape 176"/>
+        <p:cNvPr id="177" name="Shape 177"/>
         <p:cNvGrpSpPr/>
         <p:nvPr/>
       </p:nvGrpSpPr>
@@ -1137,7 +1138,7 @@
       </p:grpSpPr>
       <p:sp>
         <p:nvSpPr>
-          <p:cNvPr id="177" name="Shape 177"/>
+          <p:cNvPr id="178" name="Shape 178"/>
           <p:cNvSpPr txBox="1"/>
           <p:nvPr>
             <p:ph idx="1" type="body"/>
@@ -1173,7 +1174,7 @@
       </p:sp>
       <p:sp>
         <p:nvSpPr>
-          <p:cNvPr id="178" name="Shape 178"/>
+          <p:cNvPr id="179" name="Shape 179"/>
           <p:cNvSpPr/>
           <p:nvPr>
             <p:ph idx="2" type="sldImg"/>
@@ -1228,7 +1229,7 @@
   <p:cSld>
     <p:spTree>
       <p:nvGrpSpPr>
-        <p:cNvPr id="182" name="Shape 182"/>
+        <p:cNvPr id="186" name="Shape 186"/>
         <p:cNvGrpSpPr/>
         <p:nvPr/>
       </p:nvGrpSpPr>
@@ -1242,7 +1243,51 @@
       </p:grpSpPr>
       <p:sp>
         <p:nvSpPr>
-          <p:cNvPr id="183" name="Shape 183"/>
+          <p:cNvPr id="187" name="Shape 187"/>
+          <p:cNvSpPr/>
+          <p:nvPr>
+            <p:ph idx="2" type="sldImg"/>
+          </p:nvPr>
+        </p:nvSpPr>
+        <p:spPr>
+          <a:xfrm>
+            <a:off x="685800" y="1143000"/>
+            <a:ext cx="5486399" cy="3086099"/>
+          </a:xfrm>
+          <a:custGeom>
+            <a:pathLst>
+              <a:path extrusionOk="0" h="120000" w="120000">
+                <a:moveTo>
+                  <a:pt x="0" y="0"/>
+                </a:moveTo>
+                <a:lnTo>
+                  <a:pt x="120000" y="0"/>
+                </a:lnTo>
+                <a:lnTo>
+                  <a:pt x="120000" y="120000"/>
+                </a:lnTo>
+                <a:lnTo>
+                  <a:pt x="0" y="120000"/>
+                </a:lnTo>
+                <a:close/>
+              </a:path>
+            </a:pathLst>
+          </a:custGeom>
+          <a:noFill/>
+          <a:ln cap="flat" cmpd="sng" w="9525">
+            <a:solidFill>
+              <a:srgbClr val="000000"/>
+            </a:solidFill>
+            <a:prstDash val="solid"/>
+            <a:round/>
+            <a:headEnd len="med" w="med" type="none"/>
+            <a:tailEnd len="med" w="med" type="none"/>
+          </a:ln>
+        </p:spPr>
+      </p:sp>
+      <p:sp>
+        <p:nvSpPr>
+          <p:cNvPr id="188" name="Shape 188"/>
           <p:cNvSpPr txBox="1"/>
           <p:nvPr>
             <p:ph idx="1" type="body"/>
@@ -1278,7 +1323,109 @@
       </p:sp>
       <p:sp>
         <p:nvSpPr>
-          <p:cNvPr id="184" name="Shape 184"/>
+          <p:cNvPr id="189" name="Shape 189"/>
+          <p:cNvSpPr txBox="1"/>
+          <p:nvPr>
+            <p:ph idx="12" type="sldNum"/>
+          </p:nvPr>
+        </p:nvSpPr>
+        <p:spPr>
+          <a:xfrm>
+            <a:off x="3884612" y="8685213"/>
+            <a:ext cx="2971799" cy="458699"/>
+          </a:xfrm>
+          <a:prstGeom prst="rect">
+            <a:avLst/>
+          </a:prstGeom>
+        </p:spPr>
+        <p:txBody>
+          <a:bodyPr anchorCtr="0" anchor="b" bIns="45700" lIns="91425" rIns="91425" tIns="45700">
+            <a:noAutofit/>
+          </a:bodyPr>
+          <a:lstStyle/>
+          <a:p>
+            <a:pPr lvl="0">
+              <a:spcBef>
+                <a:spcPts val="0"/>
+              </a:spcBef>
+              <a:buClr>
+                <a:srgbClr val="000000"/>
+              </a:buClr>
+              <a:buSzPct val="25000"/>
+              <a:buFont typeface="Arial"/>
+              <a:buNone/>
+            </a:pPr>
+            <a:fld id="{00000000-1234-1234-1234-123412341234}" type="slidenum">
+              <a:rPr lang="pt-BR"/>
+              <a:t>‹#›</a:t>
+            </a:fld>
+          </a:p>
+        </p:txBody>
+      </p:sp>
+    </p:spTree>
+  </p:cSld>
+  <p:clrMapOvr>
+    <a:masterClrMapping/>
+  </p:clrMapOvr>
+</p:notes>
+</file>
+
+<file path=ppt/notesSlides/notesSlide15.xml><?xml version="1.0" encoding="utf-8"?>
+<p:notes xmlns:a="http://schemas.openxmlformats.org/drawingml/2006/main" xmlns:r="http://schemas.openxmlformats.org/officeDocument/2006/relationships" xmlns:mc="http://schemas.openxmlformats.org/markup-compatibility/2006" xmlns:mv="urn:schemas-microsoft-com:mac:vml" xmlns:p="http://schemas.openxmlformats.org/presentationml/2006/main" xmlns:c="http://schemas.openxmlformats.org/drawingml/2006/chart" xmlns:dgm="http://schemas.openxmlformats.org/drawingml/2006/diagram" xmlns:o="urn:schemas-microsoft-com:office:office" xmlns:v="urn:schemas-microsoft-com:vml" xmlns:pvml="urn:schemas-microsoft-com:office:powerpoint" xmlns:com="http://schemas.openxmlformats.org/drawingml/2006/compatibility" xmlns:p14="http://schemas.microsoft.com/office/powerpoint/2010/main" showMasterPhAnim="0" showMasterSp="0">
+  <p:cSld>
+    <p:spTree>
+      <p:nvGrpSpPr>
+        <p:cNvPr id="193" name="Shape 193"/>
+        <p:cNvGrpSpPr/>
+        <p:nvPr/>
+      </p:nvGrpSpPr>
+      <p:grpSpPr>
+        <a:xfrm>
+          <a:off x="0" y="0"/>
+          <a:ext cx="0" cy="0"/>
+          <a:chOff x="0" y="0"/>
+          <a:chExt cx="0" cy="0"/>
+        </a:xfrm>
+      </p:grpSpPr>
+      <p:sp>
+        <p:nvSpPr>
+          <p:cNvPr id="194" name="Shape 194"/>
+          <p:cNvSpPr txBox="1"/>
+          <p:nvPr>
+            <p:ph idx="1" type="body"/>
+          </p:nvPr>
+        </p:nvSpPr>
+        <p:spPr>
+          <a:xfrm>
+            <a:off x="685800" y="4400550"/>
+            <a:ext cx="5486399" cy="3600599"/>
+          </a:xfrm>
+          <a:prstGeom prst="rect">
+            <a:avLst/>
+          </a:prstGeom>
+        </p:spPr>
+        <p:txBody>
+          <a:bodyPr anchorCtr="0" anchor="t" bIns="91425" lIns="91425" rIns="91425" tIns="91425">
+            <a:noAutofit/>
+          </a:bodyPr>
+          <a:lstStyle/>
+          <a:p>
+            <a:pPr>
+              <a:spcBef>
+                <a:spcPts val="0"/>
+              </a:spcBef>
+              <a:buNone/>
+            </a:pPr>
+            <a:r>
+              <a:t/>
+            </a:r>
+            <a:endParaRPr/>
+          </a:p>
+        </p:txBody>
+      </p:sp>
+      <p:sp>
+        <p:nvSpPr>
+          <p:cNvPr id="195" name="Shape 195"/>
           <p:cNvSpPr/>
           <p:nvPr>
             <p:ph idx="2" type="sldImg"/>
@@ -9784,8 +9931,8 @@
         </p:blipFill>
         <p:spPr>
           <a:xfrm>
-            <a:off x="252100" y="438300"/>
-            <a:ext cx="3962400" cy="2743200"/>
+            <a:off x="969150" y="1543575"/>
+            <a:ext cx="3467100" cy="2400300"/>
           </a:xfrm>
           <a:prstGeom prst="rect">
             <a:avLst/>
@@ -9812,7 +9959,7 @@
         </p:blipFill>
         <p:spPr>
           <a:xfrm>
-            <a:off x="4752275" y="609750"/>
+            <a:off x="4790800" y="1673725"/>
             <a:ext cx="3219450" cy="2400300"/>
           </a:xfrm>
           <a:prstGeom prst="rect">
@@ -9840,7 +9987,7 @@
         </p:blipFill>
         <p:spPr>
           <a:xfrm>
-            <a:off x="8343525" y="733562"/>
+            <a:off x="8264675" y="1673712"/>
             <a:ext cx="3276600" cy="2276475"/>
           </a:xfrm>
           <a:prstGeom prst="rect">
@@ -9868,7 +10015,7 @@
         </p:blipFill>
         <p:spPr>
           <a:xfrm>
-            <a:off x="1184137" y="3615987"/>
+            <a:off x="1334462" y="4402412"/>
             <a:ext cx="3324225" cy="2124075"/>
           </a:xfrm>
           <a:prstGeom prst="rect">
@@ -9896,7 +10043,7 @@
         </p:blipFill>
         <p:spPr>
           <a:xfrm>
-            <a:off x="5942787" y="3616000"/>
+            <a:off x="7839412" y="4217400"/>
             <a:ext cx="3267075" cy="2362200"/>
           </a:xfrm>
           <a:prstGeom prst="rect">
@@ -9908,6 +10055,59 @@
           </a:ln>
         </p:spPr>
       </p:pic>
+      <p:sp>
+        <p:nvSpPr>
+          <p:cNvPr id="176" name="Shape 176"/>
+          <p:cNvSpPr txBox="1"/>
+          <p:nvPr>
+            <p:ph type="title"/>
+          </p:nvPr>
+        </p:nvSpPr>
+        <p:spPr>
+          <a:xfrm>
+            <a:off x="1219200" y="274637"/>
+            <a:ext cx="10363200" cy="1143000"/>
+          </a:xfrm>
+          <a:prstGeom prst="rect">
+            <a:avLst/>
+          </a:prstGeom>
+          <a:noFill/>
+          <a:ln>
+            <a:noFill/>
+          </a:ln>
+        </p:spPr>
+        <p:txBody>
+          <a:bodyPr anchorCtr="0" anchor="b" bIns="91425" lIns="91425" rIns="91425" tIns="45700">
+            <a:noAutofit/>
+          </a:bodyPr>
+          <a:lstStyle/>
+          <a:p>
+            <a:pPr indent="0" lvl="0" marL="0" marR="0" rtl="0" algn="l">
+              <a:spcBef>
+                <a:spcPts val="0"/>
+              </a:spcBef>
+              <a:buClr>
+                <a:schemeClr val="dk2"/>
+              </a:buClr>
+              <a:buSzPct val="25000"/>
+              <a:buFont typeface="Cambria"/>
+              <a:buNone/>
+            </a:pPr>
+            <a:r>
+              <a:rPr lang="pt-BR" sz="4000">
+                <a:solidFill>
+                  <a:schemeClr val="dk2"/>
+                </a:solidFill>
+                <a:latin typeface="Cambria"/>
+                <a:ea typeface="Cambria"/>
+                <a:cs typeface="Cambria"/>
+                <a:sym typeface="Cambria"/>
+              </a:rPr>
+              <a:t>Sprints</a:t>
+            </a:r>
+          </a:p>
+        </p:txBody>
+      </p:sp>
     </p:spTree>
   </p:cSld>
   <p:clrMapOvr>
@@ -9924,7 +10124,7 @@
   <p:cSld>
     <p:spTree>
       <p:nvGrpSpPr>
-        <p:cNvPr id="179" name="Shape 179"/>
+        <p:cNvPr id="180" name="Shape 180"/>
         <p:cNvGrpSpPr/>
         <p:nvPr/>
       </p:nvGrpSpPr>
@@ -9936,9 +10136,202 @@
           <a:chExt cx="0" cy="0"/>
         </a:xfrm>
       </p:grpSpPr>
-      <p:sp>
-        <p:nvSpPr>
-          <p:cNvPr id="180" name="Shape 180"/>
+      <p:pic>
+        <p:nvPicPr>
+          <p:cNvPr id="181" name="Shape 181"/>
+          <p:cNvPicPr preferRelativeResize="0"/>
+          <p:nvPr/>
+        </p:nvPicPr>
+        <p:blipFill>
+          <a:blip r:embed="rId3">
+            <a:alphaModFix/>
+          </a:blip>
+          <a:stretch>
+            <a:fillRect/>
+          </a:stretch>
+        </p:blipFill>
+        <p:spPr>
+          <a:xfrm>
+            <a:off x="769850" y="1876462"/>
+            <a:ext cx="3181350" cy="2295525"/>
+          </a:xfrm>
+          <a:prstGeom prst="rect">
+            <a:avLst/>
+          </a:prstGeom>
+          <a:noFill/>
+          <a:ln>
+            <a:noFill/>
+          </a:ln>
+        </p:spPr>
+      </p:pic>
+      <p:pic>
+        <p:nvPicPr>
+          <p:cNvPr id="182" name="Shape 182"/>
+          <p:cNvPicPr preferRelativeResize="0"/>
+          <p:nvPr/>
+        </p:nvPicPr>
+        <p:blipFill>
+          <a:blip r:embed="rId4">
+            <a:alphaModFix/>
+          </a:blip>
+          <a:stretch>
+            <a:fillRect/>
+          </a:stretch>
+        </p:blipFill>
+        <p:spPr>
+          <a:xfrm>
+            <a:off x="4452937" y="1890750"/>
+            <a:ext cx="3286125" cy="2266950"/>
+          </a:xfrm>
+          <a:prstGeom prst="rect">
+            <a:avLst/>
+          </a:prstGeom>
+          <a:noFill/>
+          <a:ln>
+            <a:noFill/>
+          </a:ln>
+        </p:spPr>
+      </p:pic>
+      <p:pic>
+        <p:nvPicPr>
+          <p:cNvPr id="183" name="Shape 183"/>
+          <p:cNvPicPr preferRelativeResize="0"/>
+          <p:nvPr/>
+        </p:nvPicPr>
+        <p:blipFill>
+          <a:blip r:embed="rId5">
+            <a:alphaModFix/>
+          </a:blip>
+          <a:stretch>
+            <a:fillRect/>
+          </a:stretch>
+        </p:blipFill>
+        <p:spPr>
+          <a:xfrm>
+            <a:off x="8368675" y="2034337"/>
+            <a:ext cx="3295650" cy="2257425"/>
+          </a:xfrm>
+          <a:prstGeom prst="rect">
+            <a:avLst/>
+          </a:prstGeom>
+          <a:noFill/>
+          <a:ln>
+            <a:noFill/>
+          </a:ln>
+        </p:spPr>
+      </p:pic>
+      <p:pic>
+        <p:nvPicPr>
+          <p:cNvPr id="184" name="Shape 184"/>
+          <p:cNvPicPr preferRelativeResize="0"/>
+          <p:nvPr/>
+        </p:nvPicPr>
+        <p:blipFill>
+          <a:blip r:embed="rId6">
+            <a:alphaModFix/>
+          </a:blip>
+          <a:stretch>
+            <a:fillRect/>
+          </a:stretch>
+        </p:blipFill>
+        <p:spPr>
+          <a:xfrm>
+            <a:off x="4190012" y="4367712"/>
+            <a:ext cx="3248025" cy="2257425"/>
+          </a:xfrm>
+          <a:prstGeom prst="rect">
+            <a:avLst/>
+          </a:prstGeom>
+          <a:noFill/>
+          <a:ln>
+            <a:noFill/>
+          </a:ln>
+        </p:spPr>
+      </p:pic>
+      <p:sp>
+        <p:nvSpPr>
+          <p:cNvPr id="185" name="Shape 185"/>
+          <p:cNvSpPr txBox="1"/>
+          <p:nvPr>
+            <p:ph type="title"/>
+          </p:nvPr>
+        </p:nvSpPr>
+        <p:spPr>
+          <a:xfrm>
+            <a:off x="1219200" y="274637"/>
+            <a:ext cx="10363200" cy="1143000"/>
+          </a:xfrm>
+          <a:prstGeom prst="rect">
+            <a:avLst/>
+          </a:prstGeom>
+          <a:noFill/>
+          <a:ln>
+            <a:noFill/>
+          </a:ln>
+        </p:spPr>
+        <p:txBody>
+          <a:bodyPr anchorCtr="0" anchor="b" bIns="91425" lIns="91425" rIns="91425" tIns="45700">
+            <a:noAutofit/>
+          </a:bodyPr>
+          <a:lstStyle/>
+          <a:p>
+            <a:pPr indent="0" lvl="0" marL="0" marR="0" rtl="0" algn="l">
+              <a:spcBef>
+                <a:spcPts val="0"/>
+              </a:spcBef>
+              <a:buClr>
+                <a:schemeClr val="dk2"/>
+              </a:buClr>
+              <a:buSzPct val="25000"/>
+              <a:buFont typeface="Cambria"/>
+              <a:buNone/>
+            </a:pPr>
+            <a:r>
+              <a:rPr lang="pt-BR" sz="4000">
+                <a:solidFill>
+                  <a:schemeClr val="dk2"/>
+                </a:solidFill>
+                <a:latin typeface="Cambria"/>
+                <a:ea typeface="Cambria"/>
+                <a:cs typeface="Cambria"/>
+                <a:sym typeface="Cambria"/>
+              </a:rPr>
+              <a:t>Sprints</a:t>
+            </a:r>
+          </a:p>
+        </p:txBody>
+      </p:sp>
+    </p:spTree>
+  </p:cSld>
+  <p:clrMapOvr>
+    <a:masterClrMapping/>
+  </p:clrMapOvr>
+  <p:transition spd="slow">
+    <p:cut/>
+  </p:transition>
+</p:sld>
+</file>
+
+<file path=ppt/slides/slide15.xml><?xml version="1.0" encoding="utf-8"?>
+<p:sld xmlns:a="http://schemas.openxmlformats.org/drawingml/2006/main" xmlns:r="http://schemas.openxmlformats.org/officeDocument/2006/relationships" xmlns:mc="http://schemas.openxmlformats.org/markup-compatibility/2006" xmlns:mv="urn:schemas-microsoft-com:mac:vml" xmlns:p="http://schemas.openxmlformats.org/presentationml/2006/main" xmlns:c="http://schemas.openxmlformats.org/drawingml/2006/chart" xmlns:dgm="http://schemas.openxmlformats.org/drawingml/2006/diagram" xmlns:o="urn:schemas-microsoft-com:office:office" xmlns:v="urn:schemas-microsoft-com:vml" xmlns:pvml="urn:schemas-microsoft-com:office:powerpoint" xmlns:com="http://schemas.openxmlformats.org/drawingml/2006/compatibility" xmlns:p14="http://schemas.microsoft.com/office/powerpoint/2010/main">
+  <p:cSld>
+    <p:spTree>
+      <p:nvGrpSpPr>
+        <p:cNvPr id="190" name="Shape 190"/>
+        <p:cNvGrpSpPr/>
+        <p:nvPr/>
+      </p:nvGrpSpPr>
+      <p:grpSpPr>
+        <a:xfrm>
+          <a:off x="0" y="0"/>
+          <a:ext cx="0" cy="0"/>
+          <a:chOff x="0" y="0"/>
+          <a:chExt cx="0" cy="0"/>
+        </a:xfrm>
+      </p:grpSpPr>
+      <p:sp>
+        <p:nvSpPr>
+          <p:cNvPr id="191" name="Shape 191"/>
           <p:cNvSpPr txBox="1"/>
           <p:nvPr>
             <p:ph type="title"/>
@@ -9991,7 +10384,7 @@
       </p:sp>
       <p:sp>
         <p:nvSpPr>
-          <p:cNvPr id="181" name="Shape 181"/>
+          <p:cNvPr id="192" name="Shape 192"/>
           <p:cNvSpPr txBox="1"/>
           <p:nvPr/>
         </p:nvSpPr>
@@ -10811,7 +11204,7 @@
                 <a:cs typeface="Calibri"/>
                 <a:sym typeface="Calibri"/>
               </a:rPr>
-              <a:t>Cadastro de novos clientese a cesso restrito ao administrador</a:t>
+              <a:t>Cadastro de novos clientes e acesso restrito ao administrador</a:t>
             </a:r>
           </a:p>
           <a:p>
